--- a/2020上戏剧/戏剧背景（全损）.pptx
+++ b/2020上戏剧/戏剧背景（全损）.pptx
@@ -11,7 +11,7 @@
     <p:sldId id="256" r:id="rId2"/>
     <p:sldId id="259" r:id="rId3"/>
     <p:sldId id="258" r:id="rId4"/>
-    <p:sldId id="257" r:id="rId5"/>
+    <p:sldId id="260" r:id="rId5"/>
   </p:sldIdLst>
   <p:sldSz cx="9144000" cy="6858000" type="screen4x3"/>
   <p:notesSz cx="6858000" cy="9144000"/>
@@ -110,6 +110,22 @@
       </a:defRPr>
     </a:lvl9pPr>
   </p:defaultTextStyle>
+  <p:extLst>
+    <p:ext uri="{EFAFB233-063F-42B5-8137-9DF3F51BA10A}">
+      <p15:sldGuideLst xmlns:p15="http://schemas.microsoft.com/office/powerpoint/2012/main">
+        <p15:guide id="1" orient="horz" pos="2160">
+          <p15:clr>
+            <a:srgbClr val="A4A3A4"/>
+          </p15:clr>
+        </p15:guide>
+        <p15:guide id="2" pos="2880">
+          <p15:clr>
+            <a:srgbClr val="A4A3A4"/>
+          </p15:clr>
+        </p15:guide>
+      </p15:sldGuideLst>
+    </p:ext>
+  </p:extLst>
 </p:presentation>
 </file>
 
@@ -195,7 +211,7 @@
           <a:p>
             <a:fld id="{148EC60E-2CBD-4C73-B540-BE83181A483B}" type="datetimeFigureOut">
               <a:rPr lang="zh-CN" altLang="en-US" smtClean="0"/>
-              <a:t>2021/4/6</a:t>
+              <a:t>2021/7/1</a:t>
             </a:fld>
             <a:endParaRPr lang="zh-CN" altLang="en-US"/>
           </a:p>
@@ -728,7 +744,7 @@
           <a:p>
             <a:fld id="{670F84CA-A47B-4B51-B22C-8E1BE2EDE174}" type="datetimeFigureOut">
               <a:rPr lang="zh-CN" altLang="en-US" smtClean="0"/>
-              <a:t>2021/4/6</a:t>
+              <a:t>2021/7/1</a:t>
             </a:fld>
             <a:endParaRPr lang="zh-CN" altLang="en-US"/>
           </a:p>
@@ -898,7 +914,7 @@
           <a:p>
             <a:fld id="{670F84CA-A47B-4B51-B22C-8E1BE2EDE174}" type="datetimeFigureOut">
               <a:rPr lang="zh-CN" altLang="en-US" smtClean="0"/>
-              <a:t>2021/4/6</a:t>
+              <a:t>2021/7/1</a:t>
             </a:fld>
             <a:endParaRPr lang="zh-CN" altLang="en-US"/>
           </a:p>
@@ -1078,7 +1094,7 @@
           <a:p>
             <a:fld id="{670F84CA-A47B-4B51-B22C-8E1BE2EDE174}" type="datetimeFigureOut">
               <a:rPr lang="zh-CN" altLang="en-US" smtClean="0"/>
-              <a:t>2021/4/6</a:t>
+              <a:t>2021/7/1</a:t>
             </a:fld>
             <a:endParaRPr lang="zh-CN" altLang="en-US"/>
           </a:p>
@@ -1248,7 +1264,7 @@
           <a:p>
             <a:fld id="{670F84CA-A47B-4B51-B22C-8E1BE2EDE174}" type="datetimeFigureOut">
               <a:rPr lang="zh-CN" altLang="en-US" smtClean="0"/>
-              <a:t>2021/4/6</a:t>
+              <a:t>2021/7/1</a:t>
             </a:fld>
             <a:endParaRPr lang="zh-CN" altLang="en-US"/>
           </a:p>
@@ -1494,7 +1510,7 @@
           <a:p>
             <a:fld id="{670F84CA-A47B-4B51-B22C-8E1BE2EDE174}" type="datetimeFigureOut">
               <a:rPr lang="zh-CN" altLang="en-US" smtClean="0"/>
-              <a:t>2021/4/6</a:t>
+              <a:t>2021/7/1</a:t>
             </a:fld>
             <a:endParaRPr lang="zh-CN" altLang="en-US"/>
           </a:p>
@@ -1782,7 +1798,7 @@
           <a:p>
             <a:fld id="{670F84CA-A47B-4B51-B22C-8E1BE2EDE174}" type="datetimeFigureOut">
               <a:rPr lang="zh-CN" altLang="en-US" smtClean="0"/>
-              <a:t>2021/4/6</a:t>
+              <a:t>2021/7/1</a:t>
             </a:fld>
             <a:endParaRPr lang="zh-CN" altLang="en-US"/>
           </a:p>
@@ -2204,7 +2220,7 @@
           <a:p>
             <a:fld id="{670F84CA-A47B-4B51-B22C-8E1BE2EDE174}" type="datetimeFigureOut">
               <a:rPr lang="zh-CN" altLang="en-US" smtClean="0"/>
-              <a:t>2021/4/6</a:t>
+              <a:t>2021/7/1</a:t>
             </a:fld>
             <a:endParaRPr lang="zh-CN" altLang="en-US"/>
           </a:p>
@@ -2322,7 +2338,7 @@
           <a:p>
             <a:fld id="{670F84CA-A47B-4B51-B22C-8E1BE2EDE174}" type="datetimeFigureOut">
               <a:rPr lang="zh-CN" altLang="en-US" smtClean="0"/>
-              <a:t>2021/4/6</a:t>
+              <a:t>2021/7/1</a:t>
             </a:fld>
             <a:endParaRPr lang="zh-CN" altLang="en-US"/>
           </a:p>
@@ -2417,7 +2433,7 @@
           <a:p>
             <a:fld id="{670F84CA-A47B-4B51-B22C-8E1BE2EDE174}" type="datetimeFigureOut">
               <a:rPr lang="zh-CN" altLang="en-US" smtClean="0"/>
-              <a:t>2021/4/6</a:t>
+              <a:t>2021/7/1</a:t>
             </a:fld>
             <a:endParaRPr lang="zh-CN" altLang="en-US"/>
           </a:p>
@@ -2694,7 +2710,7 @@
           <a:p>
             <a:fld id="{670F84CA-A47B-4B51-B22C-8E1BE2EDE174}" type="datetimeFigureOut">
               <a:rPr lang="zh-CN" altLang="en-US" smtClean="0"/>
-              <a:t>2021/4/6</a:t>
+              <a:t>2021/7/1</a:t>
             </a:fld>
             <a:endParaRPr lang="zh-CN" altLang="en-US"/>
           </a:p>
@@ -2947,7 +2963,7 @@
           <a:p>
             <a:fld id="{670F84CA-A47B-4B51-B22C-8E1BE2EDE174}" type="datetimeFigureOut">
               <a:rPr lang="zh-CN" altLang="en-US" smtClean="0"/>
-              <a:t>2021/4/6</a:t>
+              <a:t>2021/7/1</a:t>
             </a:fld>
             <a:endParaRPr lang="zh-CN" altLang="en-US"/>
           </a:p>
@@ -3160,7 +3176,7 @@
           <a:p>
             <a:fld id="{670F84CA-A47B-4B51-B22C-8E1BE2EDE174}" type="datetimeFigureOut">
               <a:rPr lang="zh-CN" altLang="en-US" smtClean="0"/>
-              <a:t>2021/4/6</a:t>
+              <a:t>2021/7/1</a:t>
             </a:fld>
             <a:endParaRPr lang="zh-CN" altLang="en-US"/>
           </a:p>
@@ -3840,20 +3856,6 @@
 <file path=ppt/slides/slide4.xml><?xml version="1.0" encoding="utf-8"?>
 <p:sld xmlns:a="http://schemas.openxmlformats.org/drawingml/2006/main" xmlns:r="http://schemas.openxmlformats.org/officeDocument/2006/relationships" xmlns:p="http://schemas.openxmlformats.org/presentationml/2006/main">
   <p:cSld>
-    <p:bg>
-      <p:bgPr>
-        <a:blipFill dpi="0" rotWithShape="1">
-          <a:blip r:embed="rId2">
-            <a:lum/>
-          </a:blip>
-          <a:srcRect/>
-          <a:stretch>
-            <a:fillRect t="-22000" b="-22000"/>
-          </a:stretch>
-        </a:blipFill>
-        <a:effectLst/>
-      </p:bgPr>
-    </p:bg>
     <p:spTree>
       <p:nvGrpSpPr>
         <p:cNvPr id="1" name=""/>
@@ -3883,37 +3885,43 @@
           <a:bodyPr/>
           <a:lstStyle/>
           <a:p>
-            <a:r>
-              <a:rPr lang="en-US" altLang="zh-CN" dirty="0" smtClean="0"/>
-              <a:t> </a:t>
-            </a:r>
-            <a:endParaRPr lang="zh-CN" altLang="en-US" dirty="0"/>
-          </a:p>
-        </p:txBody>
-      </p:sp>
-      <p:sp>
-        <p:nvSpPr>
-          <p:cNvPr id="3" name="内容占位符 2"/>
-          <p:cNvSpPr>
-            <a:spLocks noGrp="1"/>
-          </p:cNvSpPr>
+            <a:endParaRPr lang="zh-CN" altLang="en-US"/>
+          </a:p>
+        </p:txBody>
+      </p:sp>
+      <p:pic>
+        <p:nvPicPr>
+          <p:cNvPr id="4" name="内容占位符 3"/>
+          <p:cNvPicPr>
+            <a:picLocks noGrp="1" noChangeAspect="1"/>
+          </p:cNvPicPr>
           <p:nvPr>
             <p:ph idx="1"/>
           </p:nvPr>
-        </p:nvSpPr>
-        <p:spPr/>
-        <p:txBody>
-          <a:bodyPr/>
-          <a:lstStyle/>
-          <a:p>
-            <a:endParaRPr lang="zh-CN" altLang="en-US"/>
-          </a:p>
-        </p:txBody>
-      </p:sp>
+        </p:nvPicPr>
+        <p:blipFill>
+          <a:blip r:embed="rId2">
+            <a:extLst>
+              <a:ext uri="{28A0092B-C50C-407E-A947-70E740481C1C}">
+                <a14:useLocalDpi xmlns:a14="http://schemas.microsoft.com/office/drawing/2010/main" val="0"/>
+              </a:ext>
+            </a:extLst>
+          </a:blip>
+          <a:stretch>
+            <a:fillRect/>
+          </a:stretch>
+        </p:blipFill>
+        <p:spPr>
+          <a:xfrm>
+            <a:off x="-877163" y="-675455"/>
+            <a:ext cx="10898326" cy="8192866"/>
+          </a:xfrm>
+        </p:spPr>
+      </p:pic>
     </p:spTree>
     <p:extLst>
       <p:ext uri="{BB962C8B-B14F-4D97-AF65-F5344CB8AC3E}">
-        <p14:creationId xmlns:p14="http://schemas.microsoft.com/office/powerpoint/2010/main" val="3153193904"/>
+        <p14:creationId xmlns:p14="http://schemas.microsoft.com/office/powerpoint/2010/main" val="569638732"/>
       </p:ext>
     </p:extLst>
   </p:cSld>
